--- a/analysis/analysis-evidence/NSW School Analysis.pptx
+++ b/analysis/analysis-evidence/NSW School Analysis.pptx
@@ -5021,26 +5021,36 @@
           <a:lstStyle/>
           <a:p>
             <a:r>
+              <a:rPr lang="en-AU" sz="2200" dirty="0"/>
+              <a:t>Load the Master data as CSV source for Power BI</a:t>
+            </a:r>
+          </a:p>
+          <a:p>
+            <a:r>
+              <a:rPr lang="en-AU" sz="2200" dirty="0"/>
+              <a:t>Conversion of Data Type </a:t>
+            </a:r>
+          </a:p>
+          <a:p>
+            <a:r>
+              <a:rPr lang="en-AU" sz="2200" dirty="0"/>
+              <a:t>Date column creation</a:t>
+            </a:r>
+          </a:p>
+          <a:p>
+            <a:r>
+              <a:rPr lang="en-AU" sz="2200" dirty="0"/>
+              <a:t>Measure Table</a:t>
+            </a:r>
+          </a:p>
+          <a:p>
+            <a:r>
+              <a:rPr lang="en-AU" sz="2200" dirty="0"/>
+              <a:t>Changed </a:t>
+            </a:r>
+            <a:r>
               <a:rPr lang="en-AU" sz="2200"/>
-              <a:t>Load the Master data as CSV source for Power BI</a:t>
-            </a:r>
-          </a:p>
-          <a:p>
-            <a:r>
-              <a:rPr lang="en-AU" sz="2200"/>
-              <a:t>Conversion of Data Type </a:t>
-            </a:r>
-          </a:p>
-          <a:p>
-            <a:r>
-              <a:rPr lang="en-AU" sz="2200"/>
-              <a:t>Date column creation</a:t>
-            </a:r>
-          </a:p>
-          <a:p>
-            <a:r>
-              <a:rPr lang="en-AU" sz="2200"/>
-              <a:t>Measure Table</a:t>
+              <a:t>Column names</a:t>
             </a:r>
           </a:p>
         </p:txBody>
